--- a/backend/data/exports/DDG ANDREA DORIA_scheda.pptx
+++ b/backend/data/exports/DDG ANDREA DORIA_scheda.pptx
@@ -6,7 +6,6 @@
   </p:sldMasterIdLst>
   <p:sldIdLst>
     <p:sldId id="256" r:id="rId7"/>
-    <p:sldId id="257" r:id="rId8"/>
   </p:sldIdLst>
   <p:sldSz cx="12188952" cy="6858000" type="screen4x3"/>
   <p:notesSz cx="6858000" cy="9144000"/>
@@ -3082,66 +3081,6 @@
 <file path=ppt/slides/slide1.xml><?xml version="1.0" encoding="utf-8"?>
 <p:sld xmlns:a="http://schemas.openxmlformats.org/drawingml/2006/main" xmlns:p="http://schemas.openxmlformats.org/presentationml/2006/main" xmlns:r="http://schemas.openxmlformats.org/officeDocument/2006/relationships">
   <p:cSld>
-    <p:spTree>
-      <p:nvGrpSpPr>
-        <p:cNvPr id="1" name=""/>
-        <p:cNvGrpSpPr/>
-        <p:nvPr/>
-      </p:nvGrpSpPr>
-      <p:grpSpPr/>
-      <p:sp>
-        <p:nvSpPr>
-          <p:cNvPr id="2" name="Title 1"/>
-          <p:cNvSpPr>
-            <a:spLocks noGrp="1"/>
-          </p:cNvSpPr>
-          <p:nvPr>
-            <p:ph type="ctrTitle"/>
-          </p:nvPr>
-        </p:nvSpPr>
-        <p:spPr/>
-        <p:txBody>
-          <a:bodyPr/>
-          <a:lstStyle/>
-          <a:p>
-            <a:r>
-              <a:t>DDG ANDREA DORIA - CLASSE ORIZZONTE</a:t>
-            </a:r>
-          </a:p>
-        </p:txBody>
-      </p:sp>
-      <p:sp>
-        <p:nvSpPr>
-          <p:cNvPr id="3" name="Subtitle 2"/>
-          <p:cNvSpPr>
-            <a:spLocks noGrp="1"/>
-          </p:cNvSpPr>
-          <p:nvPr>
-            <p:ph type="subTitle" idx="1"/>
-          </p:nvPr>
-        </p:nvSpPr>
-        <p:spPr/>
-        <p:txBody>
-          <a:bodyPr/>
-          <a:lstStyle/>
-          <a:p>
-            <a:r>
-              <a:t>Presentazione di 1 unità navali</a:t>
-            </a:r>
-          </a:p>
-        </p:txBody>
-      </p:sp>
-    </p:spTree>
-  </p:cSld>
-  <p:clrMapOvr>
-    <a:masterClrMapping/>
-  </p:clrMapOvr>
-</p:sld>
-</file>
-
-<file path=ppt/slides/slide2.xml><?xml version="1.0" encoding="utf-8"?>
-<p:sld xmlns:a="http://schemas.openxmlformats.org/drawingml/2006/main" xmlns:p="http://schemas.openxmlformats.org/presentationml/2006/main" xmlns:r="http://schemas.openxmlformats.org/officeDocument/2006/relationships">
-  <p:cSld>
     <p:bg>
       <p:bgPr>
         <a:solidFill>
@@ -3159,69 +3098,50 @@
       <p:grpSpPr/>
       <p:sp>
         <p:nvSpPr>
-          <p:cNvPr id="2" name="TextBox 1"/>
-          <p:cNvSpPr txBox="1"/>
+          <p:cNvPr id="2" name="Rectangle 1"/>
+          <p:cNvSpPr/>
           <p:nvPr/>
         </p:nvSpPr>
         <p:spPr>
           <a:xfrm>
-            <a:off x="1524000" y="285750"/>
-            <a:ext cx="3810000" cy="381000"/>
+            <a:off x="0" y="0"/>
+            <a:ext cx="12192000" cy="6858000"/>
           </a:xfrm>
           <a:prstGeom prst="rect">
             <a:avLst/>
           </a:prstGeom>
           <a:noFill/>
+          <a:ln w="25400">
+            <a:solidFill>
+              <a:srgbClr val="1E40AF"/>
+            </a:solidFill>
+          </a:ln>
         </p:spPr>
-        <p:txBody>
-          <a:bodyPr wrap="none">
-            <a:spAutoFit/>
-          </a:bodyPr>
-          <a:lstStyle/>
-          <a:p>
-            <a:pPr>
-              <a:defRPr sz="2000" b="1"/>
-            </a:pPr>
-            <a:r>
-              <a:t>CLASSE ORIZZONTE</a:t>
-            </a:r>
-          </a:p>
-        </p:txBody>
-      </p:sp>
-      <p:sp>
-        <p:nvSpPr>
-          <p:cNvPr id="3" name="TextBox 2"/>
-          <p:cNvSpPr txBox="1"/>
-          <p:nvPr/>
-        </p:nvSpPr>
-        <p:spPr>
-          <a:xfrm>
-            <a:off x="1524000" y="762000"/>
-            <a:ext cx="5715000" cy="381000"/>
-          </a:xfrm>
-          <a:prstGeom prst="rect">
-            <a:avLst/>
-          </a:prstGeom>
-          <a:noFill/>
-        </p:spPr>
-        <p:txBody>
-          <a:bodyPr wrap="none">
-            <a:spAutoFit/>
-          </a:bodyPr>
-          <a:lstStyle/>
-          <a:p>
-            <a:pPr>
-              <a:defRPr sz="2000" b="1"/>
-            </a:pPr>
-            <a:r>
-              <a:t>DDG ANDREA DORIA</a:t>
-            </a:r>
+        <p:style>
+          <a:lnRef idx="1">
+            <a:schemeClr val="accent1"/>
+          </a:lnRef>
+          <a:fillRef idx="3">
+            <a:schemeClr val="accent1"/>
+          </a:fillRef>
+          <a:effectRef idx="2">
+            <a:schemeClr val="accent1"/>
+          </a:effectRef>
+          <a:fontRef idx="minor">
+            <a:schemeClr val="lt1"/>
+          </a:fontRef>
+        </p:style>
+        <p:txBody>
+          <a:bodyPr rtlCol="0" anchor="ctr"/>
+          <a:lstStyle/>
+          <a:p>
+            <a:pPr algn="ctr"/>
           </a:p>
         </p:txBody>
       </p:sp>
       <p:pic>
         <p:nvPicPr>
-          <p:cNvPr id="4" name="Picture 3" descr="1935dec0-3c96-49df-b726-593ab02821ee.png"/>
+          <p:cNvPr id="3" name="Picture 2" descr="e661c7e7-8a1f-410e-a4cb-a4799824d44a.png"/>
           <p:cNvPicPr>
             <a:picLocks noChangeAspect="1"/>
           </p:cNvPicPr>
@@ -3235,8 +3155,8 @@
         </p:blipFill>
         <p:spPr>
           <a:xfrm>
-            <a:off x="190500" y="190500"/>
-            <a:ext cx="1143000" cy="1143000"/>
+            <a:off x="476250" y="285750"/>
+            <a:ext cx="952500" cy="952500"/>
           </a:xfrm>
           <a:prstGeom prst="rect">
             <a:avLst/>
@@ -3245,7 +3165,7 @@
       </p:pic>
       <p:pic>
         <p:nvPicPr>
-          <p:cNvPr id="5" name="Picture 4" descr="tmp1l28mm8s.png"/>
+          <p:cNvPr id="4" name="Picture 3" descr="tmpo2hizn7j.png"/>
           <p:cNvPicPr>
             <a:picLocks noChangeAspect="1"/>
           </p:cNvPicPr>
@@ -3259,17 +3179,87 @@
         </p:blipFill>
         <p:spPr>
           <a:xfrm>
-            <a:off x="9363075" y="190500"/>
-            <a:ext cx="1143000" cy="762000"/>
+            <a:off x="10763250" y="285750"/>
+            <a:ext cx="952500" cy="638175"/>
           </a:xfrm>
           <a:prstGeom prst="rect">
             <a:avLst/>
           </a:prstGeom>
         </p:spPr>
       </p:pic>
+      <p:sp>
+        <p:nvSpPr>
+          <p:cNvPr id="5" name="TextBox 4"/>
+          <p:cNvSpPr txBox="1"/>
+          <p:nvPr/>
+        </p:nvSpPr>
+        <p:spPr>
+          <a:xfrm>
+            <a:off x="1619250" y="285750"/>
+            <a:ext cx="4762500" cy="381000"/>
+          </a:xfrm>
+          <a:prstGeom prst="rect">
+            <a:avLst/>
+          </a:prstGeom>
+          <a:noFill/>
+        </p:spPr>
+        <p:txBody>
+          <a:bodyPr wrap="none">
+            <a:spAutoFit/>
+          </a:bodyPr>
+          <a:lstStyle/>
+          <a:p>
+            <a:pPr>
+              <a:defRPr sz="2800" b="1">
+                <a:solidFill>
+                  <a:srgbClr val="1E40AF"/>
+                </a:solidFill>
+              </a:defRPr>
+            </a:pPr>
+            <a:r>
+              <a:t>DDG ANDREA DORIA</a:t>
+            </a:r>
+          </a:p>
+        </p:txBody>
+      </p:sp>
+      <p:sp>
+        <p:nvSpPr>
+          <p:cNvPr id="6" name="TextBox 5"/>
+          <p:cNvSpPr txBox="1"/>
+          <p:nvPr/>
+        </p:nvSpPr>
+        <p:spPr>
+          <a:xfrm>
+            <a:off x="1619250" y="762000"/>
+            <a:ext cx="4762500" cy="285750"/>
+          </a:xfrm>
+          <a:prstGeom prst="rect">
+            <a:avLst/>
+          </a:prstGeom>
+          <a:noFill/>
+        </p:spPr>
+        <p:txBody>
+          <a:bodyPr wrap="none">
+            <a:spAutoFit/>
+          </a:bodyPr>
+          <a:lstStyle/>
+          <a:p>
+            <a:pPr>
+              <a:defRPr sz="2000" b="0">
+                <a:solidFill>
+                  <a:srgbClr val="374151"/>
+                </a:solidFill>
+              </a:defRPr>
+            </a:pPr>
+            <a:r>
+              <a:t>CLASSE ORIZZONTE</a:t>
+            </a:r>
+          </a:p>
+        </p:txBody>
+      </p:sp>
       <p:pic>
         <p:nvPicPr>
-          <p:cNvPr id="6" name="Picture 5" descr="c16653f1-bbc9-466f-a6c5-c3ea24ea4478.jpg"/>
+          <p:cNvPr id="7" name="Picture 6" descr="a4bc959a-a129-4a7c-9d4b-a9b34a5d6693.jpg"/>
           <p:cNvPicPr>
             <a:picLocks noChangeAspect="1"/>
           </p:cNvPicPr>
@@ -3283,8 +3273,8 @@
         </p:blipFill>
         <p:spPr>
           <a:xfrm>
-            <a:off x="190500" y="1714500"/>
-            <a:ext cx="10315575" cy="2857500"/>
+            <a:off x="476250" y="1428750"/>
+            <a:ext cx="11239500" cy="2857500"/>
           </a:xfrm>
           <a:prstGeom prst="rect">
             <a:avLst/>
@@ -3293,15 +3283,15 @@
       </p:pic>
       <p:graphicFrame>
         <p:nvGraphicFramePr>
-          <p:cNvPr id="7" name="Table 6"/>
+          <p:cNvPr id="8" name="Table 7"/>
           <p:cNvGraphicFramePr>
             <a:graphicFrameLocks noGrp="1"/>
           </p:cNvGraphicFramePr>
           <p:nvPr/>
         </p:nvGraphicFramePr>
         <p:xfrm>
-          <a:off x="190500" y="4762500"/>
-          <a:ext cx="10315575" cy="1905000"/>
+          <a:off x="476250" y="4572000"/>
+          <a:ext cx="11239500" cy="1905000"/>
         </p:xfrm>
         <a:graphic>
           <a:graphicData uri="http://schemas.openxmlformats.org/drawingml/2006/table">
@@ -3310,10 +3300,10 @@
                 <a:tableStyleId>{5C22544A-7EE6-4342-B048-85BDC9FD1C3A}</a:tableStyleId>
               </a:tblPr>
               <a:tblGrid>
-                <a:gridCol w="2578893"/>
-                <a:gridCol w="2578893"/>
-                <a:gridCol w="2578893"/>
-                <a:gridCol w="2578896"/>
+                <a:gridCol w="2809875"/>
+                <a:gridCol w="2809875"/>
+                <a:gridCol w="2809875"/>
+                <a:gridCol w="2809875"/>
               </a:tblGrid>
               <a:tr h="635000">
                 <a:tc>

--- a/backend/data/exports/DDG ANDREA DORIA_scheda.pptx
+++ b/backend/data/exports/DDG ANDREA DORIA_scheda.pptx
@@ -7,7 +7,7 @@
   <p:sldIdLst>
     <p:sldId id="256" r:id="rId7"/>
   </p:sldIdLst>
-  <p:sldSz cx="12188952" cy="6858000" type="screen4x3"/>
+  <p:sldSz cx="12192000" cy="6858000" type="screen4x3"/>
   <p:notesSz cx="6858000" cy="9144000"/>
   <p:defaultTextStyle>
     <a:defPPr>
@@ -3105,15 +3105,15 @@
         <p:spPr>
           <a:xfrm>
             <a:off x="0" y="0"/>
-            <a:ext cx="12192000" cy="6858000"/>
+            <a:ext cx="10696575" cy="7562850"/>
           </a:xfrm>
           <a:prstGeom prst="rect">
             <a:avLst/>
           </a:prstGeom>
           <a:noFill/>
-          <a:ln w="25400">
+          <a:ln w="38100">
             <a:solidFill>
-              <a:srgbClr val="1E40AF"/>
+              <a:srgbClr val="1F2937"/>
             </a:solidFill>
           </a:ln>
         </p:spPr>
@@ -3139,9 +3139,71 @@
           </a:p>
         </p:txBody>
       </p:sp>
+      <p:sp>
+        <p:nvSpPr>
+          <p:cNvPr id="3" name="TextBox 2"/>
+          <p:cNvSpPr txBox="1"/>
+          <p:nvPr/>
+        </p:nvSpPr>
+        <p:spPr>
+          <a:xfrm>
+            <a:off x="1524000" y="285750"/>
+            <a:ext cx="3810000" cy="381000"/>
+          </a:xfrm>
+          <a:prstGeom prst="rect">
+            <a:avLst/>
+          </a:prstGeom>
+          <a:noFill/>
+        </p:spPr>
+        <p:txBody>
+          <a:bodyPr wrap="none">
+            <a:spAutoFit/>
+          </a:bodyPr>
+          <a:lstStyle/>
+          <a:p>
+            <a:pPr>
+              <a:defRPr sz="2000" b="1"/>
+            </a:pPr>
+            <a:r>
+              <a:t>CLASSE ORIZZONTE</a:t>
+            </a:r>
+          </a:p>
+        </p:txBody>
+      </p:sp>
+      <p:sp>
+        <p:nvSpPr>
+          <p:cNvPr id="4" name="TextBox 3"/>
+          <p:cNvSpPr txBox="1"/>
+          <p:nvPr/>
+        </p:nvSpPr>
+        <p:spPr>
+          <a:xfrm>
+            <a:off x="1524000" y="762000"/>
+            <a:ext cx="3810000" cy="381000"/>
+          </a:xfrm>
+          <a:prstGeom prst="rect">
+            <a:avLst/>
+          </a:prstGeom>
+          <a:noFill/>
+        </p:spPr>
+        <p:txBody>
+          <a:bodyPr wrap="none">
+            <a:spAutoFit/>
+          </a:bodyPr>
+          <a:lstStyle/>
+          <a:p>
+            <a:pPr>
+              <a:defRPr sz="2000" b="1"/>
+            </a:pPr>
+            <a:r>
+              <a:t>DDG ANDREA DORIA</a:t>
+            </a:r>
+          </a:p>
+        </p:txBody>
+      </p:sp>
       <p:pic>
         <p:nvPicPr>
-          <p:cNvPr id="3" name="Picture 2" descr="e661c7e7-8a1f-410e-a4cb-a4799824d44a.png"/>
+          <p:cNvPr id="5" name="Picture 4" descr="ae65d8d7-b919-4b47-aec9-13e008fed2b0.png"/>
           <p:cNvPicPr>
             <a:picLocks noChangeAspect="1"/>
           </p:cNvPicPr>
@@ -3155,8 +3217,8 @@
         </p:blipFill>
         <p:spPr>
           <a:xfrm>
-            <a:off x="476250" y="285750"/>
-            <a:ext cx="952500" cy="952500"/>
+            <a:off x="190500" y="190500"/>
+            <a:ext cx="1143000" cy="1143000"/>
           </a:xfrm>
           <a:prstGeom prst="rect">
             <a:avLst/>
@@ -3165,7 +3227,7 @@
       </p:pic>
       <p:pic>
         <p:nvPicPr>
-          <p:cNvPr id="4" name="Picture 3" descr="tmpo2hizn7j.png"/>
+          <p:cNvPr id="6" name="Picture 5" descr="tmp3fj7e22b.png"/>
           <p:cNvPicPr>
             <a:picLocks noChangeAspect="1"/>
           </p:cNvPicPr>
@@ -3179,84 +3241,14 @@
         </p:blipFill>
         <p:spPr>
           <a:xfrm>
-            <a:off x="10763250" y="285750"/>
-            <a:ext cx="952500" cy="638175"/>
+            <a:off x="9363075" y="190500"/>
+            <a:ext cx="1143000" cy="762000"/>
           </a:xfrm>
           <a:prstGeom prst="rect">
             <a:avLst/>
           </a:prstGeom>
         </p:spPr>
       </p:pic>
-      <p:sp>
-        <p:nvSpPr>
-          <p:cNvPr id="5" name="TextBox 4"/>
-          <p:cNvSpPr txBox="1"/>
-          <p:nvPr/>
-        </p:nvSpPr>
-        <p:spPr>
-          <a:xfrm>
-            <a:off x="1619250" y="285750"/>
-            <a:ext cx="4762500" cy="381000"/>
-          </a:xfrm>
-          <a:prstGeom prst="rect">
-            <a:avLst/>
-          </a:prstGeom>
-          <a:noFill/>
-        </p:spPr>
-        <p:txBody>
-          <a:bodyPr wrap="none">
-            <a:spAutoFit/>
-          </a:bodyPr>
-          <a:lstStyle/>
-          <a:p>
-            <a:pPr>
-              <a:defRPr sz="2800" b="1">
-                <a:solidFill>
-                  <a:srgbClr val="1E40AF"/>
-                </a:solidFill>
-              </a:defRPr>
-            </a:pPr>
-            <a:r>
-              <a:t>DDG ANDREA DORIA</a:t>
-            </a:r>
-          </a:p>
-        </p:txBody>
-      </p:sp>
-      <p:sp>
-        <p:nvSpPr>
-          <p:cNvPr id="6" name="TextBox 5"/>
-          <p:cNvSpPr txBox="1"/>
-          <p:nvPr/>
-        </p:nvSpPr>
-        <p:spPr>
-          <a:xfrm>
-            <a:off x="1619250" y="762000"/>
-            <a:ext cx="4762500" cy="285750"/>
-          </a:xfrm>
-          <a:prstGeom prst="rect">
-            <a:avLst/>
-          </a:prstGeom>
-          <a:noFill/>
-        </p:spPr>
-        <p:txBody>
-          <a:bodyPr wrap="none">
-            <a:spAutoFit/>
-          </a:bodyPr>
-          <a:lstStyle/>
-          <a:p>
-            <a:pPr>
-              <a:defRPr sz="2000" b="0">
-                <a:solidFill>
-                  <a:srgbClr val="374151"/>
-                </a:solidFill>
-              </a:defRPr>
-            </a:pPr>
-            <a:r>
-              <a:t>CLASSE ORIZZONTE</a:t>
-            </a:r>
-          </a:p>
-        </p:txBody>
-      </p:sp>
       <p:pic>
         <p:nvPicPr>
           <p:cNvPr id="7" name="Picture 6" descr="a4bc959a-a129-4a7c-9d4b-a9b34a5d6693.jpg"/>
@@ -3273,8 +3265,8 @@
         </p:blipFill>
         <p:spPr>
           <a:xfrm>
-            <a:off x="476250" y="1428750"/>
-            <a:ext cx="11239500" cy="2857500"/>
+            <a:off x="190500" y="1714500"/>
+            <a:ext cx="10315575" cy="2857500"/>
           </a:xfrm>
           <a:prstGeom prst="rect">
             <a:avLst/>
@@ -3290,8 +3282,8 @@
           <p:nvPr/>
         </p:nvGraphicFramePr>
         <p:xfrm>
-          <a:off x="476250" y="4572000"/>
-          <a:ext cx="11239500" cy="1905000"/>
+          <a:off x="190500" y="4762500"/>
+          <a:ext cx="10315575" cy="1905000"/>
         </p:xfrm>
         <a:graphic>
           <a:graphicData uri="http://schemas.openxmlformats.org/drawingml/2006/table">
@@ -3300,10 +3292,10 @@
                 <a:tableStyleId>{5C22544A-7EE6-4342-B048-85BDC9FD1C3A}</a:tableStyleId>
               </a:tblPr>
               <a:tblGrid>
-                <a:gridCol w="2809875"/>
-                <a:gridCol w="2809875"/>
-                <a:gridCol w="2809875"/>
-                <a:gridCol w="2809875"/>
+                <a:gridCol w="2578893"/>
+                <a:gridCol w="2578893"/>
+                <a:gridCol w="2578893"/>
+                <a:gridCol w="2578896"/>
               </a:tblGrid>
               <a:tr h="635000">
                 <a:tc>
@@ -3428,7 +3420,7 @@
                         <a:defRPr sz="900"/>
                       </a:pPr>
                       <a:r>
-                        <a:t>XXX</a:t>
+                        <a:t>XXXxxxxxxxxxxxxxxxxxxxxxxxxxxxxxxxx</a:t>
                       </a:r>
                     </a:p>
                   </a:txBody>

--- a/backend/data/exports/DDG ANDREA DORIA_scheda.pptx
+++ b/backend/data/exports/DDG ANDREA DORIA_scheda.pptx
@@ -3203,7 +3203,7 @@
       </p:sp>
       <p:pic>
         <p:nvPicPr>
-          <p:cNvPr id="5" name="Picture 4" descr="ae65d8d7-b919-4b47-aec9-13e008fed2b0.png"/>
+          <p:cNvPr id="5" name="Picture 4" descr="1f9195e6-fe9f-44bd-9be5-a2746b72a47c.png"/>
           <p:cNvPicPr>
             <a:picLocks noChangeAspect="1"/>
           </p:cNvPicPr>
@@ -3227,7 +3227,7 @@
       </p:pic>
       <p:pic>
         <p:nvPicPr>
-          <p:cNvPr id="6" name="Picture 5" descr="tmp3fj7e22b.png"/>
+          <p:cNvPr id="6" name="Picture 5" descr="tmp0ir7xs8j.png"/>
           <p:cNvPicPr>
             <a:picLocks noChangeAspect="1"/>
           </p:cNvPicPr>
@@ -3251,7 +3251,7 @@
       </p:pic>
       <p:pic>
         <p:nvPicPr>
-          <p:cNvPr id="7" name="Picture 6" descr="a4bc959a-a129-4a7c-9d4b-a9b34a5d6693.jpg"/>
+          <p:cNvPr id="7" name="Picture 6" descr="08bf0611-e3ce-490d-8b00-52b140721646.jpg"/>
           <p:cNvPicPr>
             <a:picLocks noChangeAspect="1"/>
           </p:cNvPicPr>

--- a/backend/data/exports/DDG ANDREA DORIA_scheda.pptx
+++ b/backend/data/exports/DDG ANDREA DORIA_scheda.pptx
@@ -3105,15 +3105,15 @@
         <p:spPr>
           <a:xfrm>
             <a:off x="0" y="0"/>
-            <a:ext cx="10696575" cy="7562850"/>
+            <a:ext cx="12192000" cy="6858000"/>
           </a:xfrm>
           <a:prstGeom prst="rect">
             <a:avLst/>
           </a:prstGeom>
           <a:noFill/>
-          <a:ln w="38100">
+          <a:ln w="25400">
             <a:solidFill>
-              <a:srgbClr val="1F2937"/>
+              <a:srgbClr val="1E40AF"/>
             </a:solidFill>
           </a:ln>
         </p:spPr>
@@ -3139,71 +3139,9 @@
           </a:p>
         </p:txBody>
       </p:sp>
-      <p:sp>
-        <p:nvSpPr>
-          <p:cNvPr id="3" name="TextBox 2"/>
-          <p:cNvSpPr txBox="1"/>
-          <p:nvPr/>
-        </p:nvSpPr>
-        <p:spPr>
-          <a:xfrm>
-            <a:off x="1524000" y="285750"/>
-            <a:ext cx="3810000" cy="381000"/>
-          </a:xfrm>
-          <a:prstGeom prst="rect">
-            <a:avLst/>
-          </a:prstGeom>
-          <a:noFill/>
-        </p:spPr>
-        <p:txBody>
-          <a:bodyPr wrap="none">
-            <a:spAutoFit/>
-          </a:bodyPr>
-          <a:lstStyle/>
-          <a:p>
-            <a:pPr>
-              <a:defRPr sz="2000" b="1"/>
-            </a:pPr>
-            <a:r>
-              <a:t>CLASSE ORIZZONTE</a:t>
-            </a:r>
-          </a:p>
-        </p:txBody>
-      </p:sp>
-      <p:sp>
-        <p:nvSpPr>
-          <p:cNvPr id="4" name="TextBox 3"/>
-          <p:cNvSpPr txBox="1"/>
-          <p:nvPr/>
-        </p:nvSpPr>
-        <p:spPr>
-          <a:xfrm>
-            <a:off x="1524000" y="762000"/>
-            <a:ext cx="3810000" cy="381000"/>
-          </a:xfrm>
-          <a:prstGeom prst="rect">
-            <a:avLst/>
-          </a:prstGeom>
-          <a:noFill/>
-        </p:spPr>
-        <p:txBody>
-          <a:bodyPr wrap="none">
-            <a:spAutoFit/>
-          </a:bodyPr>
-          <a:lstStyle/>
-          <a:p>
-            <a:pPr>
-              <a:defRPr sz="2000" b="1"/>
-            </a:pPr>
-            <a:r>
-              <a:t>DDG ANDREA DORIA</a:t>
-            </a:r>
-          </a:p>
-        </p:txBody>
-      </p:sp>
       <p:pic>
         <p:nvPicPr>
-          <p:cNvPr id="5" name="Picture 4" descr="1f9195e6-fe9f-44bd-9be5-a2746b72a47c.png"/>
+          <p:cNvPr id="3" name="Picture 2" descr="919cd18b-ca36-4d8e-8efb-1d684b7397d4.png"/>
           <p:cNvPicPr>
             <a:picLocks noChangeAspect="1"/>
           </p:cNvPicPr>
@@ -3217,8 +3155,8 @@
         </p:blipFill>
         <p:spPr>
           <a:xfrm>
-            <a:off x="190500" y="190500"/>
-            <a:ext cx="1143000" cy="1143000"/>
+            <a:off x="476250" y="285750"/>
+            <a:ext cx="952500" cy="952500"/>
           </a:xfrm>
           <a:prstGeom prst="rect">
             <a:avLst/>
@@ -3227,7 +3165,7 @@
       </p:pic>
       <p:pic>
         <p:nvPicPr>
-          <p:cNvPr id="6" name="Picture 5" descr="tmp0ir7xs8j.png"/>
+          <p:cNvPr id="4" name="Picture 3" descr="tmpgs2xiho9.png"/>
           <p:cNvPicPr>
             <a:picLocks noChangeAspect="1"/>
           </p:cNvPicPr>
@@ -3241,17 +3179,87 @@
         </p:blipFill>
         <p:spPr>
           <a:xfrm>
-            <a:off x="9363075" y="190500"/>
-            <a:ext cx="1143000" cy="762000"/>
+            <a:off x="10763250" y="285750"/>
+            <a:ext cx="952500" cy="638175"/>
           </a:xfrm>
           <a:prstGeom prst="rect">
             <a:avLst/>
           </a:prstGeom>
         </p:spPr>
       </p:pic>
+      <p:sp>
+        <p:nvSpPr>
+          <p:cNvPr id="5" name="TextBox 4"/>
+          <p:cNvSpPr txBox="1"/>
+          <p:nvPr/>
+        </p:nvSpPr>
+        <p:spPr>
+          <a:xfrm>
+            <a:off x="1619250" y="285750"/>
+            <a:ext cx="4762500" cy="381000"/>
+          </a:xfrm>
+          <a:prstGeom prst="rect">
+            <a:avLst/>
+          </a:prstGeom>
+          <a:noFill/>
+        </p:spPr>
+        <p:txBody>
+          <a:bodyPr wrap="none">
+            <a:spAutoFit/>
+          </a:bodyPr>
+          <a:lstStyle/>
+          <a:p>
+            <a:pPr>
+              <a:defRPr sz="2800" b="1">
+                <a:solidFill>
+                  <a:srgbClr val="1E40AF"/>
+                </a:solidFill>
+              </a:defRPr>
+            </a:pPr>
+            <a:r>
+              <a:t>DDG ANDREA DORIA</a:t>
+            </a:r>
+          </a:p>
+        </p:txBody>
+      </p:sp>
+      <p:sp>
+        <p:nvSpPr>
+          <p:cNvPr id="6" name="TextBox 5"/>
+          <p:cNvSpPr txBox="1"/>
+          <p:nvPr/>
+        </p:nvSpPr>
+        <p:spPr>
+          <a:xfrm>
+            <a:off x="1619250" y="762000"/>
+            <a:ext cx="4762500" cy="285750"/>
+          </a:xfrm>
+          <a:prstGeom prst="rect">
+            <a:avLst/>
+          </a:prstGeom>
+          <a:noFill/>
+        </p:spPr>
+        <p:txBody>
+          <a:bodyPr wrap="none">
+            <a:spAutoFit/>
+          </a:bodyPr>
+          <a:lstStyle/>
+          <a:p>
+            <a:pPr>
+              <a:defRPr sz="2000" b="0">
+                <a:solidFill>
+                  <a:srgbClr val="374151"/>
+                </a:solidFill>
+              </a:defRPr>
+            </a:pPr>
+            <a:r>
+              <a:t>CLASSE ORIZZONTE</a:t>
+            </a:r>
+          </a:p>
+        </p:txBody>
+      </p:sp>
       <p:pic>
         <p:nvPicPr>
-          <p:cNvPr id="7" name="Picture 6" descr="08bf0611-e3ce-490d-8b00-52b140721646.jpg"/>
+          <p:cNvPr id="7" name="Picture 6" descr="1c3c6f4a-5c8f-4cbb-a612-06ae5ae7f980.jpg"/>
           <p:cNvPicPr>
             <a:picLocks noChangeAspect="1"/>
           </p:cNvPicPr>
@@ -3265,8 +3273,8 @@
         </p:blipFill>
         <p:spPr>
           <a:xfrm>
-            <a:off x="190500" y="1714500"/>
-            <a:ext cx="10315575" cy="2857500"/>
+            <a:off x="476250" y="1428750"/>
+            <a:ext cx="11239500" cy="2857500"/>
           </a:xfrm>
           <a:prstGeom prst="rect">
             <a:avLst/>
@@ -3282,8 +3290,8 @@
           <p:nvPr/>
         </p:nvGraphicFramePr>
         <p:xfrm>
-          <a:off x="190500" y="4762500"/>
-          <a:ext cx="10315575" cy="1905000"/>
+          <a:off x="476250" y="4572000"/>
+          <a:ext cx="11239500" cy="1905000"/>
         </p:xfrm>
         <a:graphic>
           <a:graphicData uri="http://schemas.openxmlformats.org/drawingml/2006/table">
@@ -3292,12 +3300,12 @@
                 <a:tableStyleId>{5C22544A-7EE6-4342-B048-85BDC9FD1C3A}</a:tableStyleId>
               </a:tblPr>
               <a:tblGrid>
-                <a:gridCol w="2578893"/>
-                <a:gridCol w="2578893"/>
-                <a:gridCol w="2578893"/>
-                <a:gridCol w="2578896"/>
+                <a:gridCol w="2809875"/>
+                <a:gridCol w="2809875"/>
+                <a:gridCol w="2809875"/>
+                <a:gridCol w="2809875"/>
               </a:tblGrid>
-              <a:tr h="635000">
+              <a:tr h="476250">
                 <a:tc>
                   <a:txBody>
                     <a:bodyPr/>
@@ -3391,7 +3399,7 @@
                   </a:tcPr>
                 </a:tc>
               </a:tr>
-              <a:tr h="635000">
+              <a:tr h="476250">
                 <a:tc>
                   <a:txBody>
                     <a:bodyPr/>
@@ -3401,7 +3409,7 @@
                         <a:defRPr sz="900"/>
                       </a:pPr>
                       <a:r>
-                        <a:t>MOTORI</a:t>
+                        <a:t>LUNGHEZZA</a:t>
                       </a:r>
                     </a:p>
                   </a:txBody>
@@ -3420,7 +3428,7 @@
                         <a:defRPr sz="900"/>
                       </a:pPr>
                       <a:r>
-                        <a:t>XXXxxxxxxxxxxxxxxxxxxxxxxxxxxxxxxxx</a:t>
+                        <a:t>XXX m</a:t>
                       </a:r>
                     </a:p>
                   </a:txBody>
@@ -3439,7 +3447,125 @@
                         <a:defRPr sz="900"/>
                       </a:pPr>
                       <a:r>
-                        <a:t>RADAR</a:t>
+                        <a:t>LARGHEZZA</a:t>
+                      </a:r>
+                    </a:p>
+                  </a:txBody>
+                  <a:tcPr>
+                    <a:solidFill>
+                      <a:srgbClr val="FFFFFF"/>
+                    </a:solidFill>
+                  </a:tcPr>
+                </a:tc>
+                <a:tc>
+                  <a:txBody>
+                    <a:bodyPr/>
+                    <a:lstStyle/>
+                    <a:p>
+                      <a:pPr>
+                        <a:defRPr sz="900"/>
+                      </a:pPr>
+                      <a:r>
+                        <a:t>XXX m</a:t>
+                      </a:r>
+                    </a:p>
+                  </a:txBody>
+                  <a:tcPr>
+                    <a:solidFill>
+                      <a:srgbClr val="FFFFFF"/>
+                    </a:solidFill>
+                  </a:tcPr>
+                </a:tc>
+              </a:tr>
+              <a:tr h="476250">
+                <a:tc>
+                  <a:txBody>
+                    <a:bodyPr/>
+                    <a:lstStyle/>
+                    <a:p>
+                      <a:pPr>
+                        <a:defRPr sz="900"/>
+                      </a:pPr>
+                      <a:r>
+                        <a:t>DISLOCAMENTO</a:t>
+                      </a:r>
+                    </a:p>
+                  </a:txBody>
+                  <a:tcPr>
+                    <a:solidFill>
+                      <a:srgbClr val="F2F2F2"/>
+                    </a:solidFill>
+                  </a:tcPr>
+                </a:tc>
+                <a:tc>
+                  <a:txBody>
+                    <a:bodyPr/>
+                    <a:lstStyle/>
+                    <a:p>
+                      <a:pPr>
+                        <a:defRPr sz="900"/>
+                      </a:pPr>
+                      <a:r>
+                        <a:t>XXX t</a:t>
+                      </a:r>
+                    </a:p>
+                  </a:txBody>
+                  <a:tcPr>
+                    <a:solidFill>
+                      <a:srgbClr val="F2F2F2"/>
+                    </a:solidFill>
+                  </a:tcPr>
+                </a:tc>
+                <a:tc>
+                  <a:txBody>
+                    <a:bodyPr/>
+                    <a:lstStyle/>
+                    <a:p>
+                      <a:pPr>
+                        <a:defRPr sz="900"/>
+                      </a:pPr>
+                      <a:r>
+                        <a:t>VELOCITÀ</a:t>
+                      </a:r>
+                    </a:p>
+                  </a:txBody>
+                  <a:tcPr>
+                    <a:solidFill>
+                      <a:srgbClr val="F2F2F2"/>
+                    </a:solidFill>
+                  </a:tcPr>
+                </a:tc>
+                <a:tc>
+                  <a:txBody>
+                    <a:bodyPr/>
+                    <a:lstStyle/>
+                    <a:p>
+                      <a:pPr>
+                        <a:defRPr sz="900"/>
+                      </a:pPr>
+                      <a:r>
+                        <a:t>XXX kn</a:t>
+                      </a:r>
+                    </a:p>
+                  </a:txBody>
+                  <a:tcPr>
+                    <a:solidFill>
+                      <a:srgbClr val="F2F2F2"/>
+                    </a:solidFill>
+                  </a:tcPr>
+                </a:tc>
+              </a:tr>
+              <a:tr h="476250">
+                <a:tc>
+                  <a:txBody>
+                    <a:bodyPr/>
+                    <a:lstStyle/>
+                    <a:p>
+                      <a:pPr>
+                        <a:defRPr sz="900"/>
+                      </a:pPr>
+                      <a:r>
+                        <a:t>EQUIPAGGIO</a:t>
                       </a:r>
                     </a:p>
                   </a:txBody>
@@ -3468,8 +3594,6 @@
                     </a:solidFill>
                   </a:tcPr>
                 </a:tc>
-              </a:tr>
-              <a:tr h="635000">
                 <a:tc>
                   <a:txBody>
                     <a:bodyPr/>
@@ -3485,7 +3609,7 @@
                   </a:txBody>
                   <a:tcPr>
                     <a:solidFill>
-                      <a:srgbClr val="F2F2F2"/>
+                      <a:srgbClr val="FFFFFF"/>
                     </a:solidFill>
                   </a:tcPr>
                 </a:tc>
@@ -3504,45 +3628,7 @@
                   </a:txBody>
                   <a:tcPr>
                     <a:solidFill>
-                      <a:srgbClr val="F2F2F2"/>
-                    </a:solidFill>
-                  </a:tcPr>
-                </a:tc>
-                <a:tc>
-                  <a:txBody>
-                    <a:bodyPr/>
-                    <a:lstStyle/>
-                    <a:p>
-                      <a:pPr>
-                        <a:defRPr sz="900"/>
-                      </a:pPr>
-                      <a:r>
-                        <a:t>MITRAGLIERA</a:t>
-                      </a:r>
-                    </a:p>
-                  </a:txBody>
-                  <a:tcPr>
-                    <a:solidFill>
-                      <a:srgbClr val="F2F2F2"/>
-                    </a:solidFill>
-                  </a:tcPr>
-                </a:tc>
-                <a:tc>
-                  <a:txBody>
-                    <a:bodyPr/>
-                    <a:lstStyle/>
-                    <a:p>
-                      <a:pPr>
-                        <a:defRPr sz="900"/>
-                      </a:pPr>
-                      <a:r>
-                        <a:t>XXX</a:t>
-                      </a:r>
-                    </a:p>
-                  </a:txBody>
-                  <a:tcPr>
-                    <a:solidFill>
-                      <a:srgbClr val="F2F2F2"/>
+                      <a:srgbClr val="FFFFFF"/>
                     </a:solidFill>
                   </a:tcPr>
                 </a:tc>

--- a/backend/data/exports/DDG ANDREA DORIA_scheda.pptx
+++ b/backend/data/exports/DDG ANDREA DORIA_scheda.pptx
@@ -7,7 +7,7 @@
   <p:sldIdLst>
     <p:sldId id="256" r:id="rId7"/>
   </p:sldIdLst>
-  <p:sldSz cx="12192000" cy="6858000" type="screen4x3"/>
+  <p:sldSz cx="14262100" cy="10083800" type="screen4x3"/>
   <p:notesSz cx="6858000" cy="9144000"/>
   <p:defaultTextStyle>
     <a:defPPr>
@@ -3111,9 +3111,9 @@
             <a:avLst/>
           </a:prstGeom>
           <a:noFill/>
-          <a:ln w="25400">
+          <a:ln w="50800">
             <a:solidFill>
-              <a:srgbClr val="1E40AF"/>
+              <a:srgbClr val="FF0000"/>
             </a:solidFill>
           </a:ln>
         </p:spPr>
@@ -3139,9 +3139,71 @@
           </a:p>
         </p:txBody>
       </p:sp>
+      <p:sp>
+        <p:nvSpPr>
+          <p:cNvPr id="3" name="TextBox 2"/>
+          <p:cNvSpPr txBox="1"/>
+          <p:nvPr/>
+        </p:nvSpPr>
+        <p:spPr>
+          <a:xfrm>
+            <a:off x="1428750" y="285750"/>
+            <a:ext cx="5029200" cy="361950"/>
+          </a:xfrm>
+          <a:prstGeom prst="rect">
+            <a:avLst/>
+          </a:prstGeom>
+          <a:noFill/>
+        </p:spPr>
+        <p:txBody>
+          <a:bodyPr wrap="none">
+            <a:spAutoFit/>
+          </a:bodyPr>
+          <a:lstStyle/>
+          <a:p>
+            <a:pPr>
+              <a:defRPr sz="2000" b="1"/>
+            </a:pPr>
+            <a:r>
+              <a:t>DDG ANDREA DORIA</a:t>
+            </a:r>
+          </a:p>
+        </p:txBody>
+      </p:sp>
+      <p:sp>
+        <p:nvSpPr>
+          <p:cNvPr id="4" name="TextBox 3"/>
+          <p:cNvSpPr txBox="1"/>
+          <p:nvPr/>
+        </p:nvSpPr>
+        <p:spPr>
+          <a:xfrm>
+            <a:off x="1428750" y="762000"/>
+            <a:ext cx="5105400" cy="381000"/>
+          </a:xfrm>
+          <a:prstGeom prst="rect">
+            <a:avLst/>
+          </a:prstGeom>
+          <a:noFill/>
+        </p:spPr>
+        <p:txBody>
+          <a:bodyPr wrap="none">
+            <a:spAutoFit/>
+          </a:bodyPr>
+          <a:lstStyle/>
+          <a:p>
+            <a:pPr>
+              <a:defRPr sz="2000" b="1"/>
+            </a:pPr>
+            <a:r>
+              <a:t>CLASSE ORIZZONTE</a:t>
+            </a:r>
+          </a:p>
+        </p:txBody>
+      </p:sp>
       <p:pic>
         <p:nvPicPr>
-          <p:cNvPr id="3" name="Picture 2" descr="919cd18b-ca36-4d8e-8efb-1d684b7397d4.png"/>
+          <p:cNvPr id="5" name="Picture 4" descr="download_bb1cacc15e604e47b6a7c408cf8954dd.png"/>
           <p:cNvPicPr>
             <a:picLocks noChangeAspect="1"/>
           </p:cNvPicPr>
@@ -3155,8 +3217,8 @@
         </p:blipFill>
         <p:spPr>
           <a:xfrm>
-            <a:off x="476250" y="285750"/>
-            <a:ext cx="952500" cy="952500"/>
+            <a:off x="10572750" y="271973"/>
+            <a:ext cx="1415142" cy="941953"/>
           </a:xfrm>
           <a:prstGeom prst="rect">
             <a:avLst/>
@@ -3165,7 +3227,7 @@
       </p:pic>
       <p:pic>
         <p:nvPicPr>
-          <p:cNvPr id="4" name="Picture 3" descr="tmpgs2xiho9.png"/>
+          <p:cNvPr id="6" name="Picture 5" descr="6992d7cc-f125-4803-8e17-506341bf4acd.jpg"/>
           <p:cNvPicPr>
             <a:picLocks noChangeAspect="1"/>
           </p:cNvPicPr>
@@ -3179,87 +3241,17 @@
         </p:blipFill>
         <p:spPr>
           <a:xfrm>
-            <a:off x="10763250" y="285750"/>
-            <a:ext cx="952500" cy="638175"/>
+            <a:off x="104775" y="2796951"/>
+            <a:ext cx="11887200" cy="2820754"/>
           </a:xfrm>
           <a:prstGeom prst="rect">
             <a:avLst/>
           </a:prstGeom>
         </p:spPr>
       </p:pic>
-      <p:sp>
-        <p:nvSpPr>
-          <p:cNvPr id="5" name="TextBox 4"/>
-          <p:cNvSpPr txBox="1"/>
-          <p:nvPr/>
-        </p:nvSpPr>
-        <p:spPr>
-          <a:xfrm>
-            <a:off x="1619250" y="285750"/>
-            <a:ext cx="4762500" cy="381000"/>
-          </a:xfrm>
-          <a:prstGeom prst="rect">
-            <a:avLst/>
-          </a:prstGeom>
-          <a:noFill/>
-        </p:spPr>
-        <p:txBody>
-          <a:bodyPr wrap="none">
-            <a:spAutoFit/>
-          </a:bodyPr>
-          <a:lstStyle/>
-          <a:p>
-            <a:pPr>
-              <a:defRPr sz="2800" b="1">
-                <a:solidFill>
-                  <a:srgbClr val="1E40AF"/>
-                </a:solidFill>
-              </a:defRPr>
-            </a:pPr>
-            <a:r>
-              <a:t>DDG ANDREA DORIA</a:t>
-            </a:r>
-          </a:p>
-        </p:txBody>
-      </p:sp>
-      <p:sp>
-        <p:nvSpPr>
-          <p:cNvPr id="6" name="TextBox 5"/>
-          <p:cNvSpPr txBox="1"/>
-          <p:nvPr/>
-        </p:nvSpPr>
-        <p:spPr>
-          <a:xfrm>
-            <a:off x="1619250" y="762000"/>
-            <a:ext cx="4762500" cy="285750"/>
-          </a:xfrm>
-          <a:prstGeom prst="rect">
-            <a:avLst/>
-          </a:prstGeom>
-          <a:noFill/>
-        </p:spPr>
-        <p:txBody>
-          <a:bodyPr wrap="none">
-            <a:spAutoFit/>
-          </a:bodyPr>
-          <a:lstStyle/>
-          <a:p>
-            <a:pPr>
-              <a:defRPr sz="2000" b="0">
-                <a:solidFill>
-                  <a:srgbClr val="374151"/>
-                </a:solidFill>
-              </a:defRPr>
-            </a:pPr>
-            <a:r>
-              <a:t>CLASSE ORIZZONTE</a:t>
-            </a:r>
-          </a:p>
-        </p:txBody>
-      </p:sp>
       <p:pic>
         <p:nvPicPr>
-          <p:cNvPr id="7" name="Picture 6" descr="1c3c6f4a-5c8f-4cbb-a612-06ae5ae7f980.jpg"/>
+          <p:cNvPr id="7" name="Picture 6" descr="7395b04b-57a8-467b-ab93-f96243967a88.png"/>
           <p:cNvPicPr>
             <a:picLocks noChangeAspect="1"/>
           </p:cNvPicPr>
@@ -3273,370 +3265,14 @@
         </p:blipFill>
         <p:spPr>
           <a:xfrm>
-            <a:off x="476250" y="1428750"/>
-            <a:ext cx="11239500" cy="2857500"/>
+            <a:off x="247649" y="475059"/>
+            <a:ext cx="952500" cy="535781"/>
           </a:xfrm>
           <a:prstGeom prst="rect">
             <a:avLst/>
           </a:prstGeom>
         </p:spPr>
       </p:pic>
-      <p:graphicFrame>
-        <p:nvGraphicFramePr>
-          <p:cNvPr id="8" name="Table 7"/>
-          <p:cNvGraphicFramePr>
-            <a:graphicFrameLocks noGrp="1"/>
-          </p:cNvGraphicFramePr>
-          <p:nvPr/>
-        </p:nvGraphicFramePr>
-        <p:xfrm>
-          <a:off x="476250" y="4572000"/>
-          <a:ext cx="11239500" cy="1905000"/>
-        </p:xfrm>
-        <a:graphic>
-          <a:graphicData uri="http://schemas.openxmlformats.org/drawingml/2006/table">
-            <a:tbl>
-              <a:tblPr firstRow="1" bandRow="1">
-                <a:tableStyleId>{5C22544A-7EE6-4342-B048-85BDC9FD1C3A}</a:tableStyleId>
-              </a:tblPr>
-              <a:tblGrid>
-                <a:gridCol w="2809875"/>
-                <a:gridCol w="2809875"/>
-                <a:gridCol w="2809875"/>
-                <a:gridCol w="2809875"/>
-              </a:tblGrid>
-              <a:tr h="476250">
-                <a:tc>
-                  <a:txBody>
-                    <a:bodyPr/>
-                    <a:lstStyle/>
-                    <a:p>
-                      <a:pPr>
-                        <a:defRPr sz="900" b="1">
-                          <a:solidFill>
-                            <a:srgbClr val="FFFFFF"/>
-                          </a:solidFill>
-                        </a:defRPr>
-                      </a:pPr>
-                      <a:r>
-                        <a:t>CARATTERISTICA</a:t>
-                      </a:r>
-                    </a:p>
-                  </a:txBody>
-                  <a:tcPr>
-                    <a:solidFill>
-                      <a:srgbClr val="1F497D"/>
-                    </a:solidFill>
-                  </a:tcPr>
-                </a:tc>
-                <a:tc>
-                  <a:txBody>
-                    <a:bodyPr/>
-                    <a:lstStyle/>
-                    <a:p>
-                      <a:pPr>
-                        <a:defRPr sz="900" b="1">
-                          <a:solidFill>
-                            <a:srgbClr val="FFFFFF"/>
-                          </a:solidFill>
-                        </a:defRPr>
-                      </a:pPr>
-                      <a:r>
-                        <a:t>VALORE</a:t>
-                      </a:r>
-                    </a:p>
-                  </a:txBody>
-                  <a:tcPr>
-                    <a:solidFill>
-                      <a:srgbClr val="1F497D"/>
-                    </a:solidFill>
-                  </a:tcPr>
-                </a:tc>
-                <a:tc>
-                  <a:txBody>
-                    <a:bodyPr/>
-                    <a:lstStyle/>
-                    <a:p>
-                      <a:pPr>
-                        <a:defRPr sz="900" b="1">
-                          <a:solidFill>
-                            <a:srgbClr val="FFFFFF"/>
-                          </a:solidFill>
-                        </a:defRPr>
-                      </a:pPr>
-                      <a:r>
-                        <a:t>CARATTERISTICA</a:t>
-                      </a:r>
-                    </a:p>
-                  </a:txBody>
-                  <a:tcPr>
-                    <a:solidFill>
-                      <a:srgbClr val="1F497D"/>
-                    </a:solidFill>
-                  </a:tcPr>
-                </a:tc>
-                <a:tc>
-                  <a:txBody>
-                    <a:bodyPr/>
-                    <a:lstStyle/>
-                    <a:p>
-                      <a:pPr>
-                        <a:defRPr sz="900" b="1">
-                          <a:solidFill>
-                            <a:srgbClr val="FFFFFF"/>
-                          </a:solidFill>
-                        </a:defRPr>
-                      </a:pPr>
-                      <a:r>
-                        <a:t>VALORE</a:t>
-                      </a:r>
-                    </a:p>
-                  </a:txBody>
-                  <a:tcPr>
-                    <a:solidFill>
-                      <a:srgbClr val="1F497D"/>
-                    </a:solidFill>
-                  </a:tcPr>
-                </a:tc>
-              </a:tr>
-              <a:tr h="476250">
-                <a:tc>
-                  <a:txBody>
-                    <a:bodyPr/>
-                    <a:lstStyle/>
-                    <a:p>
-                      <a:pPr>
-                        <a:defRPr sz="900"/>
-                      </a:pPr>
-                      <a:r>
-                        <a:t>LUNGHEZZA</a:t>
-                      </a:r>
-                    </a:p>
-                  </a:txBody>
-                  <a:tcPr>
-                    <a:solidFill>
-                      <a:srgbClr val="FFFFFF"/>
-                    </a:solidFill>
-                  </a:tcPr>
-                </a:tc>
-                <a:tc>
-                  <a:txBody>
-                    <a:bodyPr/>
-                    <a:lstStyle/>
-                    <a:p>
-                      <a:pPr>
-                        <a:defRPr sz="900"/>
-                      </a:pPr>
-                      <a:r>
-                        <a:t>XXX m</a:t>
-                      </a:r>
-                    </a:p>
-                  </a:txBody>
-                  <a:tcPr>
-                    <a:solidFill>
-                      <a:srgbClr val="FFFFFF"/>
-                    </a:solidFill>
-                  </a:tcPr>
-                </a:tc>
-                <a:tc>
-                  <a:txBody>
-                    <a:bodyPr/>
-                    <a:lstStyle/>
-                    <a:p>
-                      <a:pPr>
-                        <a:defRPr sz="900"/>
-                      </a:pPr>
-                      <a:r>
-                        <a:t>LARGHEZZA</a:t>
-                      </a:r>
-                    </a:p>
-                  </a:txBody>
-                  <a:tcPr>
-                    <a:solidFill>
-                      <a:srgbClr val="FFFFFF"/>
-                    </a:solidFill>
-                  </a:tcPr>
-                </a:tc>
-                <a:tc>
-                  <a:txBody>
-                    <a:bodyPr/>
-                    <a:lstStyle/>
-                    <a:p>
-                      <a:pPr>
-                        <a:defRPr sz="900"/>
-                      </a:pPr>
-                      <a:r>
-                        <a:t>XXX m</a:t>
-                      </a:r>
-                    </a:p>
-                  </a:txBody>
-                  <a:tcPr>
-                    <a:solidFill>
-                      <a:srgbClr val="FFFFFF"/>
-                    </a:solidFill>
-                  </a:tcPr>
-                </a:tc>
-              </a:tr>
-              <a:tr h="476250">
-                <a:tc>
-                  <a:txBody>
-                    <a:bodyPr/>
-                    <a:lstStyle/>
-                    <a:p>
-                      <a:pPr>
-                        <a:defRPr sz="900"/>
-                      </a:pPr>
-                      <a:r>
-                        <a:t>DISLOCAMENTO</a:t>
-                      </a:r>
-                    </a:p>
-                  </a:txBody>
-                  <a:tcPr>
-                    <a:solidFill>
-                      <a:srgbClr val="F2F2F2"/>
-                    </a:solidFill>
-                  </a:tcPr>
-                </a:tc>
-                <a:tc>
-                  <a:txBody>
-                    <a:bodyPr/>
-                    <a:lstStyle/>
-                    <a:p>
-                      <a:pPr>
-                        <a:defRPr sz="900"/>
-                      </a:pPr>
-                      <a:r>
-                        <a:t>XXX t</a:t>
-                      </a:r>
-                    </a:p>
-                  </a:txBody>
-                  <a:tcPr>
-                    <a:solidFill>
-                      <a:srgbClr val="F2F2F2"/>
-                    </a:solidFill>
-                  </a:tcPr>
-                </a:tc>
-                <a:tc>
-                  <a:txBody>
-                    <a:bodyPr/>
-                    <a:lstStyle/>
-                    <a:p>
-                      <a:pPr>
-                        <a:defRPr sz="900"/>
-                      </a:pPr>
-                      <a:r>
-                        <a:t>VELOCITÀ</a:t>
-                      </a:r>
-                    </a:p>
-                  </a:txBody>
-                  <a:tcPr>
-                    <a:solidFill>
-                      <a:srgbClr val="F2F2F2"/>
-                    </a:solidFill>
-                  </a:tcPr>
-                </a:tc>
-                <a:tc>
-                  <a:txBody>
-                    <a:bodyPr/>
-                    <a:lstStyle/>
-                    <a:p>
-                      <a:pPr>
-                        <a:defRPr sz="900"/>
-                      </a:pPr>
-                      <a:r>
-                        <a:t>XXX kn</a:t>
-                      </a:r>
-                    </a:p>
-                  </a:txBody>
-                  <a:tcPr>
-                    <a:solidFill>
-                      <a:srgbClr val="F2F2F2"/>
-                    </a:solidFill>
-                  </a:tcPr>
-                </a:tc>
-              </a:tr>
-              <a:tr h="476250">
-                <a:tc>
-                  <a:txBody>
-                    <a:bodyPr/>
-                    <a:lstStyle/>
-                    <a:p>
-                      <a:pPr>
-                        <a:defRPr sz="900"/>
-                      </a:pPr>
-                      <a:r>
-                        <a:t>EQUIPAGGIO</a:t>
-                      </a:r>
-                    </a:p>
-                  </a:txBody>
-                  <a:tcPr>
-                    <a:solidFill>
-                      <a:srgbClr val="FFFFFF"/>
-                    </a:solidFill>
-                  </a:tcPr>
-                </a:tc>
-                <a:tc>
-                  <a:txBody>
-                    <a:bodyPr/>
-                    <a:lstStyle/>
-                    <a:p>
-                      <a:pPr>
-                        <a:defRPr sz="900"/>
-                      </a:pPr>
-                      <a:r>
-                        <a:t>XXX</a:t>
-                      </a:r>
-                    </a:p>
-                  </a:txBody>
-                  <a:tcPr>
-                    <a:solidFill>
-                      <a:srgbClr val="FFFFFF"/>
-                    </a:solidFill>
-                  </a:tcPr>
-                </a:tc>
-                <a:tc>
-                  <a:txBody>
-                    <a:bodyPr/>
-                    <a:lstStyle/>
-                    <a:p>
-                      <a:pPr>
-                        <a:defRPr sz="900"/>
-                      </a:pPr>
-                      <a:r>
-                        <a:t>ARMA</a:t>
-                      </a:r>
-                    </a:p>
-                  </a:txBody>
-                  <a:tcPr>
-                    <a:solidFill>
-                      <a:srgbClr val="FFFFFF"/>
-                    </a:solidFill>
-                  </a:tcPr>
-                </a:tc>
-                <a:tc>
-                  <a:txBody>
-                    <a:bodyPr/>
-                    <a:lstStyle/>
-                    <a:p>
-                      <a:pPr>
-                        <a:defRPr sz="900"/>
-                      </a:pPr>
-                      <a:r>
-                        <a:t>XXX</a:t>
-                      </a:r>
-                    </a:p>
-                  </a:txBody>
-                  <a:tcPr>
-                    <a:solidFill>
-                      <a:srgbClr val="FFFFFF"/>
-                    </a:solidFill>
-                  </a:tcPr>
-                </a:tc>
-              </a:tr>
-            </a:tbl>
-          </a:graphicData>
-        </a:graphic>
-      </p:graphicFrame>
     </p:spTree>
   </p:cSld>
   <p:clrMapOvr>
